--- a/PresentationProjetTutoré.pptx
+++ b/PresentationProjetTutoré.pptx
@@ -114,6 +114,11 @@
       </a:defRPr>
     </a:lvl9pPr>
   </p:defaultTextStyle>
+  <p:extLst>
+    <p:ext uri="{EFAFB233-063F-42B5-8137-9DF3F51BA10A}">
+      <p15:sldGuideLst xmlns:p15="http://schemas.microsoft.com/office/powerpoint/2012/main"/>
+    </p:ext>
+  </p:extLst>
 </p:presentation>
 </file>
 
@@ -2813,7 +2818,7 @@
           <a:p>
             <a:fld id="{7567A3A1-40DD-427C-8E1E-70DC6129AB28}" type="datetimeFigureOut">
               <a:rPr lang="fr-FR" smtClean="0"/>
-              <a:t>24/02/2022</a:t>
+              <a:t>25/02/2022</a:t>
             </a:fld>
             <a:endParaRPr lang="fr-FR"/>
           </a:p>
@@ -3064,7 +3069,7 @@
           <a:p>
             <a:fld id="{7567A3A1-40DD-427C-8E1E-70DC6129AB28}" type="datetimeFigureOut">
               <a:rPr lang="fr-FR" smtClean="0"/>
-              <a:t>24/02/2022</a:t>
+              <a:t>25/02/2022</a:t>
             </a:fld>
             <a:endParaRPr lang="fr-FR"/>
           </a:p>
@@ -3378,7 +3383,7 @@
           <a:p>
             <a:fld id="{7567A3A1-40DD-427C-8E1E-70DC6129AB28}" type="datetimeFigureOut">
               <a:rPr lang="fr-FR" smtClean="0"/>
-              <a:t>24/02/2022</a:t>
+              <a:t>25/02/2022</a:t>
             </a:fld>
             <a:endParaRPr lang="fr-FR"/>
           </a:p>
@@ -3719,7 +3724,7 @@
           <a:p>
             <a:fld id="{7567A3A1-40DD-427C-8E1E-70DC6129AB28}" type="datetimeFigureOut">
               <a:rPr lang="fr-FR" smtClean="0"/>
-              <a:t>24/02/2022</a:t>
+              <a:t>25/02/2022</a:t>
             </a:fld>
             <a:endParaRPr lang="fr-FR"/>
           </a:p>
@@ -4033,7 +4038,7 @@
           <a:p>
             <a:fld id="{7567A3A1-40DD-427C-8E1E-70DC6129AB28}" type="datetimeFigureOut">
               <a:rPr lang="fr-FR" smtClean="0"/>
-              <a:t>24/02/2022</a:t>
+              <a:t>25/02/2022</a:t>
             </a:fld>
             <a:endParaRPr lang="fr-FR"/>
           </a:p>
@@ -4426,7 +4431,7 @@
           <a:p>
             <a:fld id="{7567A3A1-40DD-427C-8E1E-70DC6129AB28}" type="datetimeFigureOut">
               <a:rPr lang="fr-FR" smtClean="0"/>
-              <a:t>24/02/2022</a:t>
+              <a:t>25/02/2022</a:t>
             </a:fld>
             <a:endParaRPr lang="fr-FR"/>
           </a:p>
@@ -4596,7 +4601,7 @@
           <a:p>
             <a:fld id="{7567A3A1-40DD-427C-8E1E-70DC6129AB28}" type="datetimeFigureOut">
               <a:rPr lang="fr-FR" smtClean="0"/>
-              <a:t>24/02/2022</a:t>
+              <a:t>25/02/2022</a:t>
             </a:fld>
             <a:endParaRPr lang="fr-FR"/>
           </a:p>
@@ -4776,7 +4781,7 @@
           <a:p>
             <a:fld id="{7567A3A1-40DD-427C-8E1E-70DC6129AB28}" type="datetimeFigureOut">
               <a:rPr lang="fr-FR" smtClean="0"/>
-              <a:t>24/02/2022</a:t>
+              <a:t>25/02/2022</a:t>
             </a:fld>
             <a:endParaRPr lang="fr-FR"/>
           </a:p>
@@ -4952,7 +4957,7 @@
           <a:p>
             <a:fld id="{7567A3A1-40DD-427C-8E1E-70DC6129AB28}" type="datetimeFigureOut">
               <a:rPr lang="fr-FR" smtClean="0"/>
-              <a:t>24/02/2022</a:t>
+              <a:t>25/02/2022</a:t>
             </a:fld>
             <a:endParaRPr lang="fr-FR"/>
           </a:p>
@@ -5199,7 +5204,7 @@
           <a:p>
             <a:fld id="{7567A3A1-40DD-427C-8E1E-70DC6129AB28}" type="datetimeFigureOut">
               <a:rPr lang="fr-FR" smtClean="0"/>
-              <a:t>24/02/2022</a:t>
+              <a:t>25/02/2022</a:t>
             </a:fld>
             <a:endParaRPr lang="fr-FR"/>
           </a:p>
@@ -5431,7 +5436,7 @@
           <a:p>
             <a:fld id="{7567A3A1-40DD-427C-8E1E-70DC6129AB28}" type="datetimeFigureOut">
               <a:rPr lang="fr-FR" smtClean="0"/>
-              <a:t>24/02/2022</a:t>
+              <a:t>25/02/2022</a:t>
             </a:fld>
             <a:endParaRPr lang="fr-FR"/>
           </a:p>
@@ -5805,7 +5810,7 @@
           <a:p>
             <a:fld id="{7567A3A1-40DD-427C-8E1E-70DC6129AB28}" type="datetimeFigureOut">
               <a:rPr lang="fr-FR" smtClean="0"/>
-              <a:t>24/02/2022</a:t>
+              <a:t>25/02/2022</a:t>
             </a:fld>
             <a:endParaRPr lang="fr-FR"/>
           </a:p>
@@ -5928,7 +5933,7 @@
           <a:p>
             <a:fld id="{7567A3A1-40DD-427C-8E1E-70DC6129AB28}" type="datetimeFigureOut">
               <a:rPr lang="fr-FR" smtClean="0"/>
-              <a:t>24/02/2022</a:t>
+              <a:t>25/02/2022</a:t>
             </a:fld>
             <a:endParaRPr lang="fr-FR"/>
           </a:p>
@@ -6023,7 +6028,7 @@
           <a:p>
             <a:fld id="{7567A3A1-40DD-427C-8E1E-70DC6129AB28}" type="datetimeFigureOut">
               <a:rPr lang="fr-FR" smtClean="0"/>
-              <a:t>24/02/2022</a:t>
+              <a:t>25/02/2022</a:t>
             </a:fld>
             <a:endParaRPr lang="fr-FR"/>
           </a:p>
@@ -6278,7 +6283,7 @@
           <a:p>
             <a:fld id="{7567A3A1-40DD-427C-8E1E-70DC6129AB28}" type="datetimeFigureOut">
               <a:rPr lang="fr-FR" smtClean="0"/>
-              <a:t>24/02/2022</a:t>
+              <a:t>25/02/2022</a:t>
             </a:fld>
             <a:endParaRPr lang="fr-FR"/>
           </a:p>
@@ -6541,7 +6546,7 @@
           <a:p>
             <a:fld id="{7567A3A1-40DD-427C-8E1E-70DC6129AB28}" type="datetimeFigureOut">
               <a:rPr lang="fr-FR" smtClean="0"/>
-              <a:t>24/02/2022</a:t>
+              <a:t>25/02/2022</a:t>
             </a:fld>
             <a:endParaRPr lang="fr-FR"/>
           </a:p>
@@ -7284,7 +7289,7 @@
           <a:p>
             <a:fld id="{7567A3A1-40DD-427C-8E1E-70DC6129AB28}" type="datetimeFigureOut">
               <a:rPr lang="fr-FR" smtClean="0"/>
-              <a:t>24/02/2022</a:t>
+              <a:t>25/02/2022</a:t>
             </a:fld>
             <a:endParaRPr lang="fr-FR"/>
           </a:p>
@@ -8582,13 +8587,13 @@
   <p:clrMapOvr>
     <a:masterClrMapping/>
   </p:clrMapOvr>
-  <mc:AlternateContent xmlns:mc="http://schemas.openxmlformats.org/markup-compatibility/2006">
-    <mc:Choice xmlns:p159="http://schemas.microsoft.com/office/powerpoint/2015/09/main" Requires="p159">
+  <mc:AlternateContent xmlns:mc="http://schemas.openxmlformats.org/markup-compatibility/2006" xmlns:p159="http://schemas.microsoft.com/office/powerpoint/2015/09/main">
+    <mc:Choice Requires="p159">
       <p:transition xmlns:p14="http://schemas.microsoft.com/office/powerpoint/2010/main" spd="slow" p14:dur="2000">
         <p159:morph option="byObject"/>
       </p:transition>
     </mc:Choice>
-    <mc:Fallback>
+    <mc:Fallback xmlns="">
       <p:transition spd="slow">
         <p:fade/>
       </p:transition>
@@ -8924,13 +8929,13 @@
   <p:clrMapOvr>
     <a:masterClrMapping/>
   </p:clrMapOvr>
-  <mc:AlternateContent xmlns:mc="http://schemas.openxmlformats.org/markup-compatibility/2006">
-    <mc:Choice xmlns:p159="http://schemas.microsoft.com/office/powerpoint/2015/09/main" Requires="p159">
+  <mc:AlternateContent xmlns:mc="http://schemas.openxmlformats.org/markup-compatibility/2006" xmlns:p159="http://schemas.microsoft.com/office/powerpoint/2015/09/main">
+    <mc:Choice Requires="p159">
       <p:transition xmlns:p14="http://schemas.microsoft.com/office/powerpoint/2010/main" spd="slow" p14:dur="2000">
         <p159:morph option="byObject"/>
       </p:transition>
     </mc:Choice>
-    <mc:Fallback>
+    <mc:Fallback xmlns="">
       <p:transition spd="slow">
         <p:fade/>
       </p:transition>
@@ -9220,13 +9225,13 @@
   <p:clrMapOvr>
     <a:masterClrMapping/>
   </p:clrMapOvr>
-  <mc:AlternateContent xmlns:mc="http://schemas.openxmlformats.org/markup-compatibility/2006">
-    <mc:Choice xmlns:p159="http://schemas.microsoft.com/office/powerpoint/2015/09/main" Requires="p159">
+  <mc:AlternateContent xmlns:mc="http://schemas.openxmlformats.org/markup-compatibility/2006" xmlns:p159="http://schemas.microsoft.com/office/powerpoint/2015/09/main">
+    <mc:Choice Requires="p159">
       <p:transition xmlns:p14="http://schemas.microsoft.com/office/powerpoint/2010/main" spd="slow" p14:dur="2000">
         <p159:morph option="byObject"/>
       </p:transition>
     </mc:Choice>
-    <mc:Fallback>
+    <mc:Fallback xmlns="">
       <p:transition spd="slow">
         <p:fade/>
       </p:transition>
@@ -9332,13 +9337,13 @@
   <p:clrMapOvr>
     <a:masterClrMapping/>
   </p:clrMapOvr>
-  <mc:AlternateContent xmlns:mc="http://schemas.openxmlformats.org/markup-compatibility/2006">
-    <mc:Choice xmlns:p159="http://schemas.microsoft.com/office/powerpoint/2015/09/main" Requires="p159">
+  <mc:AlternateContent xmlns:mc="http://schemas.openxmlformats.org/markup-compatibility/2006" xmlns:p159="http://schemas.microsoft.com/office/powerpoint/2015/09/main">
+    <mc:Choice Requires="p159">
       <p:transition xmlns:p14="http://schemas.microsoft.com/office/powerpoint/2010/main" spd="slow" p14:dur="2000">
         <p159:morph option="byObject"/>
       </p:transition>
     </mc:Choice>
-    <mc:Fallback>
+    <mc:Fallback xmlns="">
       <p:transition spd="slow">
         <p:fade/>
       </p:transition>
@@ -9434,86 +9439,6 @@
             <a:r>
               <a:rPr lang="fr-FR" sz="2400" dirty="0"/>
               <a:t> Force Brute</a:t>
-            </a:r>
-          </a:p>
-        </p:txBody>
-      </p:sp>
-      <p:sp>
-        <p:nvSpPr>
-          <p:cNvPr id="8" name="ZoneTexte 7">
-            <a:extLst>
-              <a:ext uri="{FF2B5EF4-FFF2-40B4-BE49-F238E27FC236}">
-                <a16:creationId xmlns:a16="http://schemas.microsoft.com/office/drawing/2014/main" id="{50F76933-4780-4241-A89F-5CEB20D046F6}"/>
-              </a:ext>
-            </a:extLst>
-          </p:cNvPr>
-          <p:cNvSpPr txBox="1"/>
-          <p:nvPr/>
-        </p:nvSpPr>
-        <p:spPr>
-          <a:xfrm>
-            <a:off x="780175" y="1526843"/>
-            <a:ext cx="7919208" cy="3046988"/>
-          </a:xfrm>
-          <a:prstGeom prst="rect">
-            <a:avLst/>
-          </a:prstGeom>
-          <a:noFill/>
-        </p:spPr>
-        <p:txBody>
-          <a:bodyPr wrap="square" rtlCol="0">
-            <a:spAutoFit/>
-          </a:bodyPr>
-          <a:lstStyle/>
-          <a:p>
-            <a:r>
-              <a:rPr lang="fr-FR" sz="1600" dirty="0"/>
-              <a:t>Très long</a:t>
-            </a:r>
-          </a:p>
-          <a:p>
-            <a:r>
-              <a:rPr lang="fr-FR" sz="1600" dirty="0"/>
-              <a:t>Très précis</a:t>
-            </a:r>
-          </a:p>
-          <a:p>
-            <a:endParaRPr lang="fr-FR" sz="1600" dirty="0"/>
-          </a:p>
-          <a:p>
-            <a:r>
-              <a:rPr lang="fr-FR" sz="1600" dirty="0"/>
-              <a:t>Test toute les possibilités de chemin</a:t>
-            </a:r>
-          </a:p>
-          <a:p>
-            <a:r>
-              <a:rPr lang="fr-FR" sz="1600" dirty="0"/>
-              <a:t>Renvoi uniquement la meilleure</a:t>
-            </a:r>
-          </a:p>
-          <a:p>
-            <a:endParaRPr lang="fr-FR" sz="1600" dirty="0"/>
-          </a:p>
-          <a:p>
-            <a:r>
-              <a:rPr lang="fr-FR" sz="1600" dirty="0"/>
-              <a:t>La fonction s’arrête une fois le chrono dépassé (défini au départ) ou lorsque que toute les possibilités on été exploré</a:t>
-            </a:r>
-          </a:p>
-          <a:p>
-            <a:endParaRPr lang="fr-FR" sz="1600" dirty="0"/>
-          </a:p>
-          <a:p>
-            <a:r>
-              <a:rPr lang="fr-FR" sz="1600" dirty="0"/>
-              <a:t>Non possible avec notre fonction, mais possibilité d’optimiser la fonction :</a:t>
-            </a:r>
-          </a:p>
-          <a:p>
-            <a:r>
-              <a:rPr lang="fr-FR" sz="1600" dirty="0"/>
-              <a:t>Au lieu de tester n! possibilités, on ne test (n-1)!/2 possibilités, les autres possibilités correspondes aux doublons</a:t>
             </a:r>
           </a:p>
         </p:txBody>
@@ -9548,6 +9473,128 @@
           </a:prstGeom>
         </p:spPr>
       </p:pic>
+      <p:sp>
+        <p:nvSpPr>
+          <p:cNvPr id="6" name="ZoneTexte 5">
+            <a:extLst>
+              <a:ext uri="{FF2B5EF4-FFF2-40B4-BE49-F238E27FC236}">
+                <a16:creationId xmlns:a16="http://schemas.microsoft.com/office/drawing/2014/main" id="{B5283561-DAB7-4277-8B50-1811D16A22D8}"/>
+              </a:ext>
+            </a:extLst>
+          </p:cNvPr>
+          <p:cNvSpPr txBox="1"/>
+          <p:nvPr/>
+        </p:nvSpPr>
+        <p:spPr>
+          <a:xfrm>
+            <a:off x="780175" y="1384796"/>
+            <a:ext cx="7919208" cy="2554545"/>
+          </a:xfrm>
+          <a:prstGeom prst="rect">
+            <a:avLst/>
+          </a:prstGeom>
+          <a:noFill/>
+        </p:spPr>
+        <p:txBody>
+          <a:bodyPr wrap="square" rtlCol="0">
+            <a:spAutoFit/>
+          </a:bodyPr>
+          <a:lstStyle/>
+          <a:p>
+            <a:r>
+              <a:rPr lang="fr-FR" sz="1600" dirty="0"/>
+              <a:t>Très long, très précis, peu d’opérations par permutations ( 26 opérations )</a:t>
+            </a:r>
+          </a:p>
+          <a:p>
+            <a:endParaRPr lang="fr-FR" sz="1600" dirty="0"/>
+          </a:p>
+          <a:p>
+            <a:r>
+              <a:rPr lang="fr-FR" sz="1600" dirty="0"/>
+              <a:t>Teste toute les permutations possible, suivant un ordre strictement croissant</a:t>
+            </a:r>
+          </a:p>
+          <a:p>
+            <a:r>
+              <a:rPr lang="fr-FR" sz="1600" dirty="0"/>
+              <a:t>Renvoi uniquement la meilleure solution trouvée avant le temps imparti ou quand on a atteint la dernière permutation possible</a:t>
+            </a:r>
+          </a:p>
+          <a:p>
+            <a:endParaRPr lang="fr-FR" sz="1600" dirty="0"/>
+          </a:p>
+          <a:p>
+            <a:r>
+              <a:rPr lang="fr-FR" sz="1600" dirty="0"/>
+              <a:t>Plusieurs alternatives et prospections d’optimisations :</a:t>
+            </a:r>
+          </a:p>
+          <a:p>
+            <a:pPr marL="285750" indent="-285750">
+              <a:buFontTx/>
+              <a:buChar char="-"/>
+            </a:pPr>
+            <a:r>
+              <a:rPr lang="fr-FR" sz="1600" dirty="0"/>
+              <a:t>Vérifier les poids de chaque chemin à partir d’un certain point avant de terminer un chemin</a:t>
+            </a:r>
+          </a:p>
+          <a:p>
+            <a:pPr marL="285750" indent="-285750">
+              <a:buFontTx/>
+              <a:buChar char="-"/>
+            </a:pPr>
+            <a:r>
+              <a:rPr lang="fr-FR" sz="1600" dirty="0"/>
+              <a:t>Supprimer les doublons</a:t>
+            </a:r>
+          </a:p>
+        </p:txBody>
+      </p:sp>
+      <p:sp>
+        <p:nvSpPr>
+          <p:cNvPr id="7" name="ZoneTexte 6">
+            <a:extLst>
+              <a:ext uri="{FF2B5EF4-FFF2-40B4-BE49-F238E27FC236}">
+                <a16:creationId xmlns:a16="http://schemas.microsoft.com/office/drawing/2014/main" id="{D8792054-7127-4E01-972A-5ECD44F338C6}"/>
+              </a:ext>
+            </a:extLst>
+          </p:cNvPr>
+          <p:cNvSpPr txBox="1"/>
+          <p:nvPr/>
+        </p:nvSpPr>
+        <p:spPr>
+          <a:xfrm>
+            <a:off x="6176822" y="4341271"/>
+            <a:ext cx="2840121" cy="307777"/>
+          </a:xfrm>
+          <a:prstGeom prst="rect">
+            <a:avLst/>
+          </a:prstGeom>
+          <a:noFill/>
+        </p:spPr>
+        <p:txBody>
+          <a:bodyPr wrap="square" rtlCol="0">
+            <a:spAutoFit/>
+          </a:bodyPr>
+          <a:lstStyle/>
+          <a:p>
+            <a:r>
+              <a:rPr lang="fr-FR" sz="1400" dirty="0"/>
+              <a:t>std::</a:t>
+            </a:r>
+            <a:r>
+              <a:rPr lang="fr-FR" sz="1400" dirty="0" err="1"/>
+              <a:t>next_permutation</a:t>
+            </a:r>
+            <a:r>
+              <a:rPr lang="fr-FR" sz="1400" dirty="0"/>
+              <a:t> ( en C++ )</a:t>
+            </a:r>
+          </a:p>
+        </p:txBody>
+      </p:sp>
     </p:spTree>
     <p:extLst>
       <p:ext uri="{BB962C8B-B14F-4D97-AF65-F5344CB8AC3E}">
@@ -9558,13 +9605,13 @@
   <p:clrMapOvr>
     <a:masterClrMapping/>
   </p:clrMapOvr>
-  <mc:AlternateContent xmlns:mc="http://schemas.openxmlformats.org/markup-compatibility/2006">
-    <mc:Choice xmlns:p159="http://schemas.microsoft.com/office/powerpoint/2015/09/main" Requires="p159">
+  <mc:AlternateContent xmlns:mc="http://schemas.openxmlformats.org/markup-compatibility/2006" xmlns:p159="http://schemas.microsoft.com/office/powerpoint/2015/09/main">
+    <mc:Choice Requires="p159">
       <p:transition xmlns:p14="http://schemas.microsoft.com/office/powerpoint/2010/main" spd="slow" p14:dur="2000">
         <p159:morph option="byObject"/>
       </p:transition>
     </mc:Choice>
-    <mc:Fallback>
+    <mc:Fallback xmlns="">
       <p:transition spd="slow">
         <p:fade/>
       </p:transition>
@@ -9692,10 +9739,10 @@
       </p:pic>
       <p:sp>
         <p:nvSpPr>
-          <p:cNvPr id="8" name="ZoneTexte 7">
+          <p:cNvPr id="6" name="ZoneTexte 5">
             <a:extLst>
               <a:ext uri="{FF2B5EF4-FFF2-40B4-BE49-F238E27FC236}">
-                <a16:creationId xmlns:a16="http://schemas.microsoft.com/office/drawing/2014/main" id="{50F76933-4780-4241-A89F-5CEB20D046F6}"/>
+                <a16:creationId xmlns:a16="http://schemas.microsoft.com/office/drawing/2014/main" id="{A4D91F3C-258E-4E9F-9015-D413711B6920}"/>
               </a:ext>
             </a:extLst>
           </p:cNvPr>
@@ -9705,7 +9752,7 @@
         <p:spPr>
           <a:xfrm>
             <a:off x="822119" y="1375498"/>
-            <a:ext cx="7919208" cy="1815882"/>
+            <a:ext cx="7919208" cy="1569660"/>
           </a:xfrm>
           <a:prstGeom prst="rect">
             <a:avLst/>
@@ -9720,7 +9767,7 @@
           <a:p>
             <a:r>
               <a:rPr lang="fr-FR" sz="1600" dirty="0"/>
-              <a:t>Si l’on obtient pas 2 fois d’affilé la même valeur, c’est que ce n’est pas optimal</a:t>
+              <a:t>Permute de manière strictement aléatoire deux villes dans le tableau</a:t>
             </a:r>
           </a:p>
           <a:p>
@@ -9729,25 +9776,19 @@
           <a:p>
             <a:r>
               <a:rPr lang="fr-FR" sz="1600" dirty="0"/>
-              <a:t>Déjà très long pour 20 villes</a:t>
+              <a:t>Résultats non optimaux et dépendant sur la chance</a:t>
             </a:r>
           </a:p>
           <a:p>
             <a:endParaRPr lang="fr-FR" sz="1600" dirty="0"/>
           </a:p>
           <a:p>
+            <a:endParaRPr lang="fr-FR" sz="1600" dirty="0"/>
+          </a:p>
+          <a:p>
             <a:r>
               <a:rPr lang="fr-FR" sz="1600" dirty="0"/>
-              <a:t>Trop peu efficace et très long</a:t>
-            </a:r>
-          </a:p>
-          <a:p>
-            <a:endParaRPr lang="fr-FR" sz="1600" dirty="0"/>
-          </a:p>
-          <a:p>
-            <a:r>
-              <a:rPr lang="fr-FR" sz="1600" dirty="0"/>
-              <a:t>Surtout basé sur la chance</a:t>
+              <a:t>Perspectives d’amélioration limitées</a:t>
             </a:r>
           </a:p>
         </p:txBody>
@@ -9762,13 +9803,13 @@
   <p:clrMapOvr>
     <a:masterClrMapping/>
   </p:clrMapOvr>
-  <mc:AlternateContent xmlns:mc="http://schemas.openxmlformats.org/markup-compatibility/2006">
-    <mc:Choice xmlns:p159="http://schemas.microsoft.com/office/powerpoint/2015/09/main" Requires="p159">
+  <mc:AlternateContent xmlns:mc="http://schemas.openxmlformats.org/markup-compatibility/2006" xmlns:p159="http://schemas.microsoft.com/office/powerpoint/2015/09/main">
+    <mc:Choice Requires="p159">
       <p:transition xmlns:p14="http://schemas.microsoft.com/office/powerpoint/2010/main" spd="slow" p14:dur="2000">
         <p159:morph option="byObject"/>
       </p:transition>
     </mc:Choice>
-    <mc:Fallback>
+    <mc:Fallback xmlns="">
       <p:transition spd="slow">
         <p:fade/>
       </p:transition>
@@ -9864,68 +9905,6 @@
             <a:r>
               <a:rPr lang="fr-FR" sz="2400" dirty="0"/>
               <a:t> du Plus Proche Voisin</a:t>
-            </a:r>
-          </a:p>
-        </p:txBody>
-      </p:sp>
-      <p:sp>
-        <p:nvSpPr>
-          <p:cNvPr id="8" name="ZoneTexte 7">
-            <a:extLst>
-              <a:ext uri="{FF2B5EF4-FFF2-40B4-BE49-F238E27FC236}">
-                <a16:creationId xmlns:a16="http://schemas.microsoft.com/office/drawing/2014/main" id="{50F76933-4780-4241-A89F-5CEB20D046F6}"/>
-              </a:ext>
-            </a:extLst>
-          </p:cNvPr>
-          <p:cNvSpPr txBox="1"/>
-          <p:nvPr/>
-        </p:nvSpPr>
-        <p:spPr>
-          <a:xfrm>
-            <a:off x="682685" y="1326998"/>
-            <a:ext cx="7570899" cy="2308324"/>
-          </a:xfrm>
-          <a:prstGeom prst="rect">
-            <a:avLst/>
-          </a:prstGeom>
-          <a:noFill/>
-        </p:spPr>
-        <p:txBody>
-          <a:bodyPr wrap="square" rtlCol="0">
-            <a:spAutoFit/>
-          </a:bodyPr>
-          <a:lstStyle/>
-          <a:p>
-            <a:r>
-              <a:rPr lang="fr-FR" sz="1600" dirty="0"/>
-              <a:t>Assez performant : Rapide et Résultat assez faible</a:t>
-            </a:r>
-          </a:p>
-          <a:p>
-            <a:endParaRPr lang="fr-FR" sz="1600" dirty="0"/>
-          </a:p>
-          <a:p>
-            <a:r>
-              <a:rPr lang="fr-FR" sz="1600" dirty="0"/>
-              <a:t>Il existe plus performant mais reste viable </a:t>
-            </a:r>
-          </a:p>
-          <a:p>
-            <a:endParaRPr lang="fr-FR" sz="1600" dirty="0"/>
-          </a:p>
-          <a:p>
-            <a:r>
-              <a:rPr lang="fr-FR" sz="1600" dirty="0"/>
-              <a:t>Pour chaque point on regarde le point que l’on a pas placé qui est le plus proche</a:t>
-            </a:r>
-          </a:p>
-          <a:p>
-            <a:endParaRPr lang="fr-FR" sz="1600" dirty="0"/>
-          </a:p>
-          <a:p>
-            <a:r>
-              <a:rPr lang="fr-FR" sz="1600" dirty="0"/>
-              <a:t>On teste aussi pour tout les points de départ pour trouver les différentes solutions</a:t>
             </a:r>
           </a:p>
         </p:txBody>
@@ -9990,6 +9969,76 @@
           </a:graphicData>
         </a:graphic>
       </p:graphicFrame>
+      <p:sp>
+        <p:nvSpPr>
+          <p:cNvPr id="7" name="ZoneTexte 6">
+            <a:extLst>
+              <a:ext uri="{FF2B5EF4-FFF2-40B4-BE49-F238E27FC236}">
+                <a16:creationId xmlns:a16="http://schemas.microsoft.com/office/drawing/2014/main" id="{D6427C55-461E-41D9-AD90-D138C3777781}"/>
+              </a:ext>
+            </a:extLst>
+          </p:cNvPr>
+          <p:cNvSpPr txBox="1"/>
+          <p:nvPr/>
+        </p:nvSpPr>
+        <p:spPr>
+          <a:xfrm>
+            <a:off x="780175" y="1386775"/>
+            <a:ext cx="7121071" cy="2308324"/>
+          </a:xfrm>
+          <a:prstGeom prst="rect">
+            <a:avLst/>
+          </a:prstGeom>
+          <a:noFill/>
+        </p:spPr>
+        <p:txBody>
+          <a:bodyPr wrap="square" rtlCol="0">
+            <a:spAutoFit/>
+          </a:bodyPr>
+          <a:lstStyle/>
+          <a:p>
+            <a:r>
+              <a:rPr lang="fr-FR" sz="1600" dirty="0"/>
+              <a:t>Assez performant : Rapide et résultat plutôt optimum</a:t>
+            </a:r>
+          </a:p>
+          <a:p>
+            <a:endParaRPr lang="fr-FR" sz="1600" dirty="0"/>
+          </a:p>
+          <a:p>
+            <a:r>
+              <a:rPr lang="fr-FR" sz="1600" dirty="0"/>
+              <a:t>Cas d’utilisations plus fréquent que les précédents</a:t>
+            </a:r>
+          </a:p>
+          <a:p>
+            <a:endParaRPr lang="fr-FR" sz="1600" dirty="0"/>
+          </a:p>
+          <a:p>
+            <a:r>
+              <a:rPr lang="fr-FR" sz="1600" dirty="0"/>
+              <a:t>On recherche pour chaque points de départ, quel est son voisin le plus proche, ainsi que le voisin de son voisin, </a:t>
+            </a:r>
+            <a:r>
+              <a:rPr lang="fr-FR" sz="1600" dirty="0" err="1"/>
+              <a:t>etc</a:t>
+            </a:r>
+            <a:r>
+              <a:rPr lang="fr-FR" sz="1600" dirty="0"/>
+              <a:t> … jusqu’à avoir un chemin complet.</a:t>
+            </a:r>
+          </a:p>
+          <a:p>
+            <a:endParaRPr lang="fr-FR" sz="1600" dirty="0"/>
+          </a:p>
+          <a:p>
+            <a:r>
+              <a:rPr lang="fr-FR" sz="1600" dirty="0"/>
+              <a:t>Facile à améliorer</a:t>
+            </a:r>
+          </a:p>
+        </p:txBody>
+      </p:sp>
     </p:spTree>
     <p:extLst>
       <p:ext uri="{BB962C8B-B14F-4D97-AF65-F5344CB8AC3E}">
@@ -10000,13 +10049,13 @@
   <p:clrMapOvr>
     <a:masterClrMapping/>
   </p:clrMapOvr>
-  <mc:AlternateContent xmlns:mc="http://schemas.openxmlformats.org/markup-compatibility/2006">
-    <mc:Choice xmlns:p159="http://schemas.microsoft.com/office/powerpoint/2015/09/main" Requires="p159">
+  <mc:AlternateContent xmlns:mc="http://schemas.openxmlformats.org/markup-compatibility/2006" xmlns:p159="http://schemas.microsoft.com/office/powerpoint/2015/09/main">
+    <mc:Choice Requires="p159">
       <p:transition xmlns:p14="http://schemas.microsoft.com/office/powerpoint/2010/main" spd="slow" p14:dur="2000">
         <p159:morph option="byObject"/>
       </p:transition>
     </mc:Choice>
-    <mc:Fallback>
+    <mc:Fallback xmlns="">
       <p:transition spd="slow">
         <p:fade/>
       </p:transition>
@@ -10249,13 +10298,13 @@
   <p:clrMapOvr>
     <a:masterClrMapping/>
   </p:clrMapOvr>
-  <mc:AlternateContent xmlns:mc="http://schemas.openxmlformats.org/markup-compatibility/2006">
-    <mc:Choice xmlns:p159="http://schemas.microsoft.com/office/powerpoint/2015/09/main" Requires="p159">
+  <mc:AlternateContent xmlns:mc="http://schemas.openxmlformats.org/markup-compatibility/2006" xmlns:p159="http://schemas.microsoft.com/office/powerpoint/2015/09/main">
+    <mc:Choice Requires="p159">
       <p:transition xmlns:p14="http://schemas.microsoft.com/office/powerpoint/2010/main" spd="slow" p14:dur="2000">
         <p159:morph option="byObject"/>
       </p:transition>
     </mc:Choice>
-    <mc:Fallback>
+    <mc:Fallback xmlns="">
       <p:transition spd="slow">
         <p:fade/>
       </p:transition>
@@ -10361,13 +10410,13 @@
   <p:clrMapOvr>
     <a:masterClrMapping/>
   </p:clrMapOvr>
-  <mc:AlternateContent xmlns:mc="http://schemas.openxmlformats.org/markup-compatibility/2006">
-    <mc:Choice xmlns:p159="http://schemas.microsoft.com/office/powerpoint/2015/09/main" Requires="p159">
+  <mc:AlternateContent xmlns:mc="http://schemas.openxmlformats.org/markup-compatibility/2006" xmlns:p159="http://schemas.microsoft.com/office/powerpoint/2015/09/main">
+    <mc:Choice Requires="p159">
       <p:transition xmlns:p14="http://schemas.microsoft.com/office/powerpoint/2010/main" spd="slow" p14:dur="2000">
         <p159:morph option="byObject"/>
       </p:transition>
     </mc:Choice>
-    <mc:Fallback>
+    <mc:Fallback xmlns="">
       <p:transition spd="slow">
         <p:fade/>
       </p:transition>
@@ -10620,13 +10669,13 @@
   <p:clrMapOvr>
     <a:masterClrMapping/>
   </p:clrMapOvr>
-  <mc:AlternateContent xmlns:mc="http://schemas.openxmlformats.org/markup-compatibility/2006">
-    <mc:Choice xmlns:p159="http://schemas.microsoft.com/office/powerpoint/2015/09/main" Requires="p159">
+  <mc:AlternateContent xmlns:mc="http://schemas.openxmlformats.org/markup-compatibility/2006" xmlns:p159="http://schemas.microsoft.com/office/powerpoint/2015/09/main">
+    <mc:Choice Requires="p159">
       <p:transition xmlns:p14="http://schemas.microsoft.com/office/powerpoint/2010/main" spd="slow" p14:dur="2000">
         <p159:morph option="byObject"/>
       </p:transition>
     </mc:Choice>
-    <mc:Fallback>
+    <mc:Fallback xmlns="">
       <p:transition spd="slow">
         <p:fade/>
       </p:transition>

--- a/PresentationProjetTutoré.pptx
+++ b/PresentationProjetTutoré.pptx
@@ -15,7 +15,8 @@
     <p:sldId id="263" r:id="rId9"/>
     <p:sldId id="265" r:id="rId10"/>
     <p:sldId id="264" r:id="rId11"/>
-    <p:sldId id="268" r:id="rId12"/>
+    <p:sldId id="269" r:id="rId12"/>
+    <p:sldId id="268" r:id="rId13"/>
   </p:sldIdLst>
   <p:sldSz cx="12192000" cy="6858000"/>
   <p:notesSz cx="6858000" cy="9144000"/>
@@ -2876,6 +2877,18 @@
   <p:clrMapOvr>
     <a:masterClrMapping/>
   </p:clrMapOvr>
+  <mc:AlternateContent xmlns:mc="http://schemas.openxmlformats.org/markup-compatibility/2006">
+    <mc:Choice xmlns:p159="http://schemas.microsoft.com/office/powerpoint/2015/09/main" Requires="p159">
+      <p:transition spd="slow">
+        <p159:morph option="byObject"/>
+      </p:transition>
+    </mc:Choice>
+    <mc:Fallback>
+      <p:transition spd="slow">
+        <p:fade/>
+      </p:transition>
+    </mc:Fallback>
+  </mc:AlternateContent>
 </p:sldLayout>
 </file>
 
@@ -3127,6 +3140,18 @@
   <p:clrMapOvr>
     <a:masterClrMapping/>
   </p:clrMapOvr>
+  <mc:AlternateContent xmlns:mc="http://schemas.openxmlformats.org/markup-compatibility/2006">
+    <mc:Choice xmlns:p159="http://schemas.microsoft.com/office/powerpoint/2015/09/main" Requires="p159">
+      <p:transition spd="slow">
+        <p159:morph option="byObject"/>
+      </p:transition>
+    </mc:Choice>
+    <mc:Fallback>
+      <p:transition spd="slow">
+        <p:fade/>
+      </p:transition>
+    </mc:Fallback>
+  </mc:AlternateContent>
 </p:sldLayout>
 </file>
 
@@ -3531,6 +3556,18 @@
   <p:clrMapOvr>
     <a:masterClrMapping/>
   </p:clrMapOvr>
+  <mc:AlternateContent xmlns:mc="http://schemas.openxmlformats.org/markup-compatibility/2006">
+    <mc:Choice xmlns:p159="http://schemas.microsoft.com/office/powerpoint/2015/09/main" Requires="p159">
+      <p:transition spd="slow">
+        <p159:morph option="byObject"/>
+      </p:transition>
+    </mc:Choice>
+    <mc:Fallback>
+      <p:transition spd="slow">
+        <p:fade/>
+      </p:transition>
+    </mc:Fallback>
+  </mc:AlternateContent>
 </p:sldLayout>
 </file>
 
@@ -3782,6 +3819,18 @@
   <p:clrMapOvr>
     <a:masterClrMapping/>
   </p:clrMapOvr>
+  <mc:AlternateContent xmlns:mc="http://schemas.openxmlformats.org/markup-compatibility/2006">
+    <mc:Choice xmlns:p159="http://schemas.microsoft.com/office/powerpoint/2015/09/main" Requires="p159">
+      <p:transition spd="slow">
+        <p159:morph option="byObject"/>
+      </p:transition>
+    </mc:Choice>
+    <mc:Fallback>
+      <p:transition spd="slow">
+        <p:fade/>
+      </p:transition>
+    </mc:Fallback>
+  </mc:AlternateContent>
 </p:sldLayout>
 </file>
 
@@ -4178,6 +4227,18 @@
   <p:clrMapOvr>
     <a:masterClrMapping/>
   </p:clrMapOvr>
+  <mc:AlternateContent xmlns:mc="http://schemas.openxmlformats.org/markup-compatibility/2006">
+    <mc:Choice xmlns:p159="http://schemas.microsoft.com/office/powerpoint/2015/09/main" Requires="p159">
+      <p:transition spd="slow">
+        <p159:morph option="byObject"/>
+      </p:transition>
+    </mc:Choice>
+    <mc:Fallback>
+      <p:transition spd="slow">
+        <p:fade/>
+      </p:transition>
+    </mc:Fallback>
+  </mc:AlternateContent>
 </p:sldLayout>
 </file>
 
@@ -4489,6 +4550,18 @@
   <p:clrMapOvr>
     <a:masterClrMapping/>
   </p:clrMapOvr>
+  <mc:AlternateContent xmlns:mc="http://schemas.openxmlformats.org/markup-compatibility/2006">
+    <mc:Choice xmlns:p159="http://schemas.microsoft.com/office/powerpoint/2015/09/main" Requires="p159">
+      <p:transition spd="slow">
+        <p159:morph option="byObject"/>
+      </p:transition>
+    </mc:Choice>
+    <mc:Fallback>
+      <p:transition spd="slow">
+        <p:fade/>
+      </p:transition>
+    </mc:Fallback>
+  </mc:AlternateContent>
 </p:sldLayout>
 </file>
 
@@ -4659,6 +4732,18 @@
   <p:clrMapOvr>
     <a:masterClrMapping/>
   </p:clrMapOvr>
+  <mc:AlternateContent xmlns:mc="http://schemas.openxmlformats.org/markup-compatibility/2006">
+    <mc:Choice xmlns:p159="http://schemas.microsoft.com/office/powerpoint/2015/09/main" Requires="p159">
+      <p:transition spd="slow">
+        <p159:morph option="byObject"/>
+      </p:transition>
+    </mc:Choice>
+    <mc:Fallback>
+      <p:transition spd="slow">
+        <p:fade/>
+      </p:transition>
+    </mc:Fallback>
+  </mc:AlternateContent>
 </p:sldLayout>
 </file>
 
@@ -4839,6 +4924,18 @@
   <p:clrMapOvr>
     <a:masterClrMapping/>
   </p:clrMapOvr>
+  <mc:AlternateContent xmlns:mc="http://schemas.openxmlformats.org/markup-compatibility/2006">
+    <mc:Choice xmlns:p159="http://schemas.microsoft.com/office/powerpoint/2015/09/main" Requires="p159">
+      <p:transition spd="slow">
+        <p159:morph option="byObject"/>
+      </p:transition>
+    </mc:Choice>
+    <mc:Fallback>
+      <p:transition spd="slow">
+        <p:fade/>
+      </p:transition>
+    </mc:Fallback>
+  </mc:AlternateContent>
 </p:sldLayout>
 </file>
 
@@ -5015,6 +5112,18 @@
   <p:clrMapOvr>
     <a:masterClrMapping/>
   </p:clrMapOvr>
+  <mc:AlternateContent xmlns:mc="http://schemas.openxmlformats.org/markup-compatibility/2006">
+    <mc:Choice xmlns:p159="http://schemas.microsoft.com/office/powerpoint/2015/09/main" Requires="p159">
+      <p:transition spd="slow">
+        <p159:morph option="byObject"/>
+      </p:transition>
+    </mc:Choice>
+    <mc:Fallback>
+      <p:transition spd="slow">
+        <p:fade/>
+      </p:transition>
+    </mc:Fallback>
+  </mc:AlternateContent>
 </p:sldLayout>
 </file>
 
@@ -5262,6 +5371,18 @@
   <p:clrMapOvr>
     <a:masterClrMapping/>
   </p:clrMapOvr>
+  <mc:AlternateContent xmlns:mc="http://schemas.openxmlformats.org/markup-compatibility/2006">
+    <mc:Choice xmlns:p159="http://schemas.microsoft.com/office/powerpoint/2015/09/main" Requires="p159">
+      <p:transition spd="slow">
+        <p159:morph option="byObject"/>
+      </p:transition>
+    </mc:Choice>
+    <mc:Fallback>
+      <p:transition spd="slow">
+        <p:fade/>
+      </p:transition>
+    </mc:Fallback>
+  </mc:AlternateContent>
 </p:sldLayout>
 </file>
 
@@ -5494,6 +5615,18 @@
   <p:clrMapOvr>
     <a:masterClrMapping/>
   </p:clrMapOvr>
+  <mc:AlternateContent xmlns:mc="http://schemas.openxmlformats.org/markup-compatibility/2006">
+    <mc:Choice xmlns:p159="http://schemas.microsoft.com/office/powerpoint/2015/09/main" Requires="p159">
+      <p:transition spd="slow">
+        <p159:morph option="byObject"/>
+      </p:transition>
+    </mc:Choice>
+    <mc:Fallback>
+      <p:transition spd="slow">
+        <p:fade/>
+      </p:transition>
+    </mc:Fallback>
+  </mc:AlternateContent>
 </p:sldLayout>
 </file>
 
@@ -5868,6 +6001,18 @@
   <p:clrMapOvr>
     <a:masterClrMapping/>
   </p:clrMapOvr>
+  <mc:AlternateContent xmlns:mc="http://schemas.openxmlformats.org/markup-compatibility/2006">
+    <mc:Choice xmlns:p159="http://schemas.microsoft.com/office/powerpoint/2015/09/main" Requires="p159">
+      <p:transition spd="slow">
+        <p159:morph option="byObject"/>
+      </p:transition>
+    </mc:Choice>
+    <mc:Fallback>
+      <p:transition spd="slow">
+        <p:fade/>
+      </p:transition>
+    </mc:Fallback>
+  </mc:AlternateContent>
 </p:sldLayout>
 </file>
 
@@ -5991,6 +6136,18 @@
   <p:clrMapOvr>
     <a:masterClrMapping/>
   </p:clrMapOvr>
+  <mc:AlternateContent xmlns:mc="http://schemas.openxmlformats.org/markup-compatibility/2006">
+    <mc:Choice xmlns:p159="http://schemas.microsoft.com/office/powerpoint/2015/09/main" Requires="p159">
+      <p:transition spd="slow">
+        <p159:morph option="byObject"/>
+      </p:transition>
+    </mc:Choice>
+    <mc:Fallback>
+      <p:transition spd="slow">
+        <p:fade/>
+      </p:transition>
+    </mc:Fallback>
+  </mc:AlternateContent>
 </p:sldLayout>
 </file>
 
@@ -6086,6 +6243,18 @@
   <p:clrMapOvr>
     <a:masterClrMapping/>
   </p:clrMapOvr>
+  <mc:AlternateContent xmlns:mc="http://schemas.openxmlformats.org/markup-compatibility/2006">
+    <mc:Choice xmlns:p159="http://schemas.microsoft.com/office/powerpoint/2015/09/main" Requires="p159">
+      <p:transition spd="slow">
+        <p159:morph option="byObject"/>
+      </p:transition>
+    </mc:Choice>
+    <mc:Fallback>
+      <p:transition spd="slow">
+        <p:fade/>
+      </p:transition>
+    </mc:Fallback>
+  </mc:AlternateContent>
 </p:sldLayout>
 </file>
 
@@ -6341,6 +6510,18 @@
   <p:clrMapOvr>
     <a:masterClrMapping/>
   </p:clrMapOvr>
+  <mc:AlternateContent xmlns:mc="http://schemas.openxmlformats.org/markup-compatibility/2006">
+    <mc:Choice xmlns:p159="http://schemas.microsoft.com/office/powerpoint/2015/09/main" Requires="p159">
+      <p:transition spd="slow">
+        <p159:morph option="byObject"/>
+      </p:transition>
+    </mc:Choice>
+    <mc:Fallback>
+      <p:transition spd="slow">
+        <p:fade/>
+      </p:transition>
+    </mc:Fallback>
+  </mc:AlternateContent>
 </p:sldLayout>
 </file>
 
@@ -6604,6 +6785,18 @@
   <p:clrMapOvr>
     <a:masterClrMapping/>
   </p:clrMapOvr>
+  <mc:AlternateContent xmlns:mc="http://schemas.openxmlformats.org/markup-compatibility/2006">
+    <mc:Choice xmlns:p159="http://schemas.microsoft.com/office/powerpoint/2015/09/main" Requires="p159">
+      <p:transition spd="slow">
+        <p159:morph option="byObject"/>
+      </p:transition>
+    </mc:Choice>
+    <mc:Fallback>
+      <p:transition spd="slow">
+        <p:fade/>
+      </p:transition>
+    </mc:Fallback>
+  </mc:AlternateContent>
 </p:sldLayout>
 </file>
 
@@ -7397,6 +7590,18 @@
     <p:sldLayoutId id="2147483675" r:id="rId15"/>
     <p:sldLayoutId id="2147483676" r:id="rId16"/>
   </p:sldLayoutIdLst>
+  <mc:AlternateContent xmlns:mc="http://schemas.openxmlformats.org/markup-compatibility/2006">
+    <mc:Choice xmlns:p159="http://schemas.microsoft.com/office/powerpoint/2015/09/main" Requires="p159">
+      <p:transition spd="slow">
+        <p159:morph option="byObject"/>
+      </p:transition>
+    </mc:Choice>
+    <mc:Fallback>
+      <p:transition spd="slow">
+        <p:fade/>
+      </p:transition>
+    </mc:Fallback>
+  </mc:AlternateContent>
   <p:txStyles>
     <p:titleStyle>
       <a:lvl1pPr algn="l" defTabSz="457200" rtl="0" eaLnBrk="1" latinLnBrk="0" hangingPunct="1">
@@ -7963,6 +8168,14 @@
   <p:clrMapOvr>
     <a:masterClrMapping/>
   </p:clrMapOvr>
+  <mc:AlternateContent xmlns:mc="http://schemas.openxmlformats.org/markup-compatibility/2006">
+    <mc:Choice xmlns:p14="http://schemas.microsoft.com/office/powerpoint/2010/main" Requires="p14">
+      <p:transition p14:dur="0"/>
+    </mc:Choice>
+    <mc:Fallback>
+      <p:transition/>
+    </mc:Fallback>
+  </mc:AlternateContent>
 </p:sld>
 </file>
 
@@ -8110,7 +8323,7 @@
           <a:p>
             <a:r>
               <a:rPr lang="fr-FR" sz="1600" dirty="0"/>
-              <a:t>Combiné au Voisin le Plus Proche : intéressant pour les grands nombres de communes</a:t>
+              <a:t>Combiné au Voisin le Plus Proche : intéressant pour les petits nombres de communes</a:t>
             </a:r>
           </a:p>
           <a:p>
@@ -8119,7 +8332,7 @@
           <a:p>
             <a:r>
               <a:rPr lang="fr-FR" sz="1600" dirty="0"/>
-              <a:t>Combiné à l’Insertion : performances moins bonnes</a:t>
+              <a:t>Combiné à l’Insertion : intéressant pour les grands nombres de communes</a:t>
             </a:r>
           </a:p>
         </p:txBody>
@@ -8587,13 +8800,13 @@
   <p:clrMapOvr>
     <a:masterClrMapping/>
   </p:clrMapOvr>
-  <mc:AlternateContent xmlns:mc="http://schemas.openxmlformats.org/markup-compatibility/2006" xmlns:p159="http://schemas.microsoft.com/office/powerpoint/2015/09/main">
-    <mc:Choice Requires="p159">
-      <p:transition xmlns:p14="http://schemas.microsoft.com/office/powerpoint/2010/main" spd="slow" p14:dur="2000">
+  <mc:AlternateContent xmlns:mc="http://schemas.openxmlformats.org/markup-compatibility/2006">
+    <mc:Choice xmlns:p159="http://schemas.microsoft.com/office/powerpoint/2015/09/main" Requires="p159">
+      <p:transition spd="slow">
         <p159:morph option="byObject"/>
       </p:transition>
     </mc:Choice>
-    <mc:Fallback xmlns="">
+    <mc:Fallback>
       <p:transition spd="slow">
         <p:fade/>
       </p:transition>
@@ -8603,6 +8816,226 @@
 </file>
 
 <file path=ppt/slides/slide11.xml><?xml version="1.0" encoding="utf-8"?>
+<p:sld xmlns:a="http://schemas.openxmlformats.org/drawingml/2006/main" xmlns:r="http://schemas.openxmlformats.org/officeDocument/2006/relationships" xmlns:p="http://schemas.openxmlformats.org/presentationml/2006/main">
+  <p:cSld>
+    <p:spTree>
+      <p:nvGrpSpPr>
+        <p:cNvPr id="1" name=""/>
+        <p:cNvGrpSpPr/>
+        <p:nvPr/>
+      </p:nvGrpSpPr>
+      <p:grpSpPr>
+        <a:xfrm>
+          <a:off x="0" y="0"/>
+          <a:ext cx="0" cy="0"/>
+          <a:chOff x="0" y="0"/>
+          <a:chExt cx="0" cy="0"/>
+        </a:xfrm>
+      </p:grpSpPr>
+      <p:sp>
+        <p:nvSpPr>
+          <p:cNvPr id="4" name="ZoneTexte 3">
+            <a:extLst>
+              <a:ext uri="{FF2B5EF4-FFF2-40B4-BE49-F238E27FC236}">
+                <a16:creationId xmlns:a16="http://schemas.microsoft.com/office/drawing/2014/main" id="{92BDB268-0409-4BB3-8FFF-7A47246AB7DB}"/>
+              </a:ext>
+            </a:extLst>
+          </p:cNvPr>
+          <p:cNvSpPr txBox="1"/>
+          <p:nvPr/>
+        </p:nvSpPr>
+        <p:spPr>
+          <a:xfrm>
+            <a:off x="780176" y="92279"/>
+            <a:ext cx="8716161" cy="400110"/>
+          </a:xfrm>
+          <a:prstGeom prst="rect">
+            <a:avLst/>
+          </a:prstGeom>
+          <a:noFill/>
+        </p:spPr>
+        <p:txBody>
+          <a:bodyPr wrap="square" rtlCol="0">
+            <a:spAutoFit/>
+          </a:bodyPr>
+          <a:lstStyle/>
+          <a:p>
+            <a:r>
+              <a:rPr lang="fr-FR" sz="2000" dirty="0"/>
+              <a:t>Problème du Voyageur de Commerce</a:t>
+            </a:r>
+          </a:p>
+        </p:txBody>
+      </p:sp>
+      <p:sp>
+        <p:nvSpPr>
+          <p:cNvPr id="16" name="ZoneTexte 15">
+            <a:extLst>
+              <a:ext uri="{FF2B5EF4-FFF2-40B4-BE49-F238E27FC236}">
+                <a16:creationId xmlns:a16="http://schemas.microsoft.com/office/drawing/2014/main" id="{E20161BE-01C7-4EC8-A5FC-14AE70EF42D4}"/>
+              </a:ext>
+            </a:extLst>
+          </p:cNvPr>
+          <p:cNvSpPr txBox="1"/>
+          <p:nvPr/>
+        </p:nvSpPr>
+        <p:spPr>
+          <a:xfrm>
+            <a:off x="780175" y="492389"/>
+            <a:ext cx="5545123" cy="461665"/>
+          </a:xfrm>
+          <a:prstGeom prst="rect">
+            <a:avLst/>
+          </a:prstGeom>
+          <a:noFill/>
+        </p:spPr>
+        <p:txBody>
+          <a:bodyPr wrap="square" rtlCol="0">
+            <a:spAutoFit/>
+          </a:bodyPr>
+          <a:lstStyle/>
+          <a:p>
+            <a:r>
+              <a:rPr lang="fr-FR" sz="2400" dirty="0"/>
+              <a:t>Application graphique : tentative</a:t>
+            </a:r>
+          </a:p>
+        </p:txBody>
+      </p:sp>
+      <p:pic>
+        <p:nvPicPr>
+          <p:cNvPr id="3" name="Image 2" descr="Une image contenant carte&#10;&#10;Description générée automatiquement">
+            <a:extLst>
+              <a:ext uri="{FF2B5EF4-FFF2-40B4-BE49-F238E27FC236}">
+                <a16:creationId xmlns:a16="http://schemas.microsoft.com/office/drawing/2014/main" id="{D0888612-AEA9-4B2A-8977-AF410E3BC841}"/>
+              </a:ext>
+            </a:extLst>
+          </p:cNvPr>
+          <p:cNvPicPr>
+            <a:picLocks noChangeAspect="1"/>
+          </p:cNvPicPr>
+          <p:nvPr/>
+        </p:nvPicPr>
+        <p:blipFill>
+          <a:blip r:embed="rId2">
+            <a:extLst>
+              <a:ext uri="{28A0092B-C50C-407E-A947-70E740481C1C}">
+                <a14:useLocalDpi xmlns:a14="http://schemas.microsoft.com/office/drawing/2010/main" val="0"/>
+              </a:ext>
+            </a:extLst>
+          </a:blip>
+          <a:stretch>
+            <a:fillRect/>
+          </a:stretch>
+        </p:blipFill>
+        <p:spPr>
+          <a:xfrm>
+            <a:off x="5919537" y="1006013"/>
+            <a:ext cx="4159478" cy="3440963"/>
+          </a:xfrm>
+          <a:prstGeom prst="rect">
+            <a:avLst/>
+          </a:prstGeom>
+        </p:spPr>
+      </p:pic>
+      <p:pic>
+        <p:nvPicPr>
+          <p:cNvPr id="6" name="Image 5" descr="Une image contenant carte&#10;&#10;Description générée automatiquement">
+            <a:extLst>
+              <a:ext uri="{FF2B5EF4-FFF2-40B4-BE49-F238E27FC236}">
+                <a16:creationId xmlns:a16="http://schemas.microsoft.com/office/drawing/2014/main" id="{82014B6F-6CE8-466A-9726-DCC1E1EDCD29}"/>
+              </a:ext>
+            </a:extLst>
+          </p:cNvPr>
+          <p:cNvPicPr>
+            <a:picLocks noChangeAspect="1"/>
+          </p:cNvPicPr>
+          <p:nvPr/>
+        </p:nvPicPr>
+        <p:blipFill>
+          <a:blip r:embed="rId3">
+            <a:extLst>
+              <a:ext uri="{28A0092B-C50C-407E-A947-70E740481C1C}">
+                <a14:useLocalDpi xmlns:a14="http://schemas.microsoft.com/office/drawing/2010/main" val="0"/>
+              </a:ext>
+            </a:extLst>
+          </a:blip>
+          <a:stretch>
+            <a:fillRect/>
+          </a:stretch>
+        </p:blipFill>
+        <p:spPr>
+          <a:xfrm>
+            <a:off x="1760752" y="987249"/>
+            <a:ext cx="3583968" cy="3437006"/>
+          </a:xfrm>
+          <a:prstGeom prst="rect">
+            <a:avLst/>
+          </a:prstGeom>
+        </p:spPr>
+      </p:pic>
+      <p:pic>
+        <p:nvPicPr>
+          <p:cNvPr id="10" name="Image 9" descr="Une image contenant texte&#10;&#10;Description générée automatiquement">
+            <a:extLst>
+              <a:ext uri="{FF2B5EF4-FFF2-40B4-BE49-F238E27FC236}">
+                <a16:creationId xmlns:a16="http://schemas.microsoft.com/office/drawing/2014/main" id="{35120EED-BA81-4D46-BC2E-4CCBB7549244}"/>
+              </a:ext>
+            </a:extLst>
+          </p:cNvPr>
+          <p:cNvPicPr>
+            <a:picLocks noChangeAspect="1"/>
+          </p:cNvPicPr>
+          <p:nvPr/>
+        </p:nvPicPr>
+        <p:blipFill>
+          <a:blip r:embed="rId4">
+            <a:extLst>
+              <a:ext uri="{28A0092B-C50C-407E-A947-70E740481C1C}">
+                <a14:useLocalDpi xmlns:a14="http://schemas.microsoft.com/office/drawing/2010/main" val="0"/>
+              </a:ext>
+            </a:extLst>
+          </a:blip>
+          <a:stretch>
+            <a:fillRect/>
+          </a:stretch>
+        </p:blipFill>
+        <p:spPr>
+          <a:xfrm>
+            <a:off x="2641653" y="4131505"/>
+            <a:ext cx="6087257" cy="2533930"/>
+          </a:xfrm>
+          <a:prstGeom prst="rect">
+            <a:avLst/>
+          </a:prstGeom>
+        </p:spPr>
+      </p:pic>
+    </p:spTree>
+    <p:extLst>
+      <p:ext uri="{BB962C8B-B14F-4D97-AF65-F5344CB8AC3E}">
+        <p14:creationId xmlns:p14="http://schemas.microsoft.com/office/powerpoint/2010/main" val="2634718943"/>
+      </p:ext>
+    </p:extLst>
+  </p:cSld>
+  <p:clrMapOvr>
+    <a:masterClrMapping/>
+  </p:clrMapOvr>
+  <mc:AlternateContent xmlns:mc="http://schemas.openxmlformats.org/markup-compatibility/2006">
+    <mc:Choice xmlns:p159="http://schemas.microsoft.com/office/powerpoint/2015/09/main" Requires="p159">
+      <p:transition spd="slow">
+        <p159:morph option="byObject"/>
+      </p:transition>
+    </mc:Choice>
+    <mc:Fallback>
+      <p:transition spd="slow">
+        <p:fade/>
+      </p:transition>
+    </mc:Fallback>
+  </mc:AlternateContent>
+</p:sld>
+</file>
+
+<file path=ppt/slides/slide12.xml><?xml version="1.0" encoding="utf-8"?>
 <p:sld xmlns:a="http://schemas.openxmlformats.org/drawingml/2006/main" xmlns:r="http://schemas.openxmlformats.org/officeDocument/2006/relationships" xmlns:p="http://schemas.openxmlformats.org/presentationml/2006/main">
   <p:cSld>
     <p:spTree>
@@ -8929,13 +9362,13 @@
   <p:clrMapOvr>
     <a:masterClrMapping/>
   </p:clrMapOvr>
-  <mc:AlternateContent xmlns:mc="http://schemas.openxmlformats.org/markup-compatibility/2006" xmlns:p159="http://schemas.microsoft.com/office/powerpoint/2015/09/main">
-    <mc:Choice Requires="p159">
-      <p:transition xmlns:p14="http://schemas.microsoft.com/office/powerpoint/2010/main" spd="slow" p14:dur="2000">
+  <mc:AlternateContent xmlns:mc="http://schemas.openxmlformats.org/markup-compatibility/2006">
+    <mc:Choice xmlns:p159="http://schemas.microsoft.com/office/powerpoint/2015/09/main" Requires="p159">
+      <p:transition spd="slow">
         <p159:morph option="byObject"/>
       </p:transition>
     </mc:Choice>
-    <mc:Fallback xmlns="">
+    <mc:Fallback>
       <p:transition spd="slow">
         <p:fade/>
       </p:transition>
@@ -9225,13 +9658,13 @@
   <p:clrMapOvr>
     <a:masterClrMapping/>
   </p:clrMapOvr>
-  <mc:AlternateContent xmlns:mc="http://schemas.openxmlformats.org/markup-compatibility/2006" xmlns:p159="http://schemas.microsoft.com/office/powerpoint/2015/09/main">
-    <mc:Choice Requires="p159">
-      <p:transition xmlns:p14="http://schemas.microsoft.com/office/powerpoint/2010/main" spd="slow" p14:dur="2000">
+  <mc:AlternateContent xmlns:mc="http://schemas.openxmlformats.org/markup-compatibility/2006">
+    <mc:Choice xmlns:p159="http://schemas.microsoft.com/office/powerpoint/2015/09/main" Requires="p159">
+      <p:transition spd="slow">
         <p159:morph option="byObject"/>
       </p:transition>
     </mc:Choice>
-    <mc:Fallback xmlns="">
+    <mc:Fallback>
       <p:transition spd="slow">
         <p:fade/>
       </p:transition>
@@ -9337,13 +9770,13 @@
   <p:clrMapOvr>
     <a:masterClrMapping/>
   </p:clrMapOvr>
-  <mc:AlternateContent xmlns:mc="http://schemas.openxmlformats.org/markup-compatibility/2006" xmlns:p159="http://schemas.microsoft.com/office/powerpoint/2015/09/main">
-    <mc:Choice Requires="p159">
-      <p:transition xmlns:p14="http://schemas.microsoft.com/office/powerpoint/2010/main" spd="slow" p14:dur="2000">
+  <mc:AlternateContent xmlns:mc="http://schemas.openxmlformats.org/markup-compatibility/2006">
+    <mc:Choice xmlns:p159="http://schemas.microsoft.com/office/powerpoint/2015/09/main" Requires="p159">
+      <p:transition spd="slow">
         <p159:morph option="byObject"/>
       </p:transition>
     </mc:Choice>
-    <mc:Fallback xmlns="">
+    <mc:Fallback>
       <p:transition spd="slow">
         <p:fade/>
       </p:transition>
@@ -9605,13 +10038,13 @@
   <p:clrMapOvr>
     <a:masterClrMapping/>
   </p:clrMapOvr>
-  <mc:AlternateContent xmlns:mc="http://schemas.openxmlformats.org/markup-compatibility/2006" xmlns:p159="http://schemas.microsoft.com/office/powerpoint/2015/09/main">
-    <mc:Choice Requires="p159">
-      <p:transition xmlns:p14="http://schemas.microsoft.com/office/powerpoint/2010/main" spd="slow" p14:dur="2000">
+  <mc:AlternateContent xmlns:mc="http://schemas.openxmlformats.org/markup-compatibility/2006">
+    <mc:Choice xmlns:p159="http://schemas.microsoft.com/office/powerpoint/2015/09/main" Requires="p159">
+      <p:transition spd="slow">
         <p159:morph option="byObject"/>
       </p:transition>
     </mc:Choice>
-    <mc:Fallback xmlns="">
+    <mc:Fallback>
       <p:transition spd="slow">
         <p:fade/>
       </p:transition>
@@ -9803,13 +10236,13 @@
   <p:clrMapOvr>
     <a:masterClrMapping/>
   </p:clrMapOvr>
-  <mc:AlternateContent xmlns:mc="http://schemas.openxmlformats.org/markup-compatibility/2006" xmlns:p159="http://schemas.microsoft.com/office/powerpoint/2015/09/main">
-    <mc:Choice Requires="p159">
-      <p:transition xmlns:p14="http://schemas.microsoft.com/office/powerpoint/2010/main" spd="slow" p14:dur="2000">
+  <mc:AlternateContent xmlns:mc="http://schemas.openxmlformats.org/markup-compatibility/2006">
+    <mc:Choice xmlns:p159="http://schemas.microsoft.com/office/powerpoint/2015/09/main" Requires="p159">
+      <p:transition spd="slow">
         <p159:morph option="byObject"/>
       </p:transition>
     </mc:Choice>
-    <mc:Fallback xmlns="">
+    <mc:Fallback>
       <p:transition spd="slow">
         <p:fade/>
       </p:transition>
@@ -10049,13 +10482,13 @@
   <p:clrMapOvr>
     <a:masterClrMapping/>
   </p:clrMapOvr>
-  <mc:AlternateContent xmlns:mc="http://schemas.openxmlformats.org/markup-compatibility/2006" xmlns:p159="http://schemas.microsoft.com/office/powerpoint/2015/09/main">
-    <mc:Choice Requires="p159">
-      <p:transition xmlns:p14="http://schemas.microsoft.com/office/powerpoint/2010/main" spd="slow" p14:dur="2000">
+  <mc:AlternateContent xmlns:mc="http://schemas.openxmlformats.org/markup-compatibility/2006">
+    <mc:Choice xmlns:p159="http://schemas.microsoft.com/office/powerpoint/2015/09/main" Requires="p159">
+      <p:transition spd="slow">
         <p159:morph option="byObject"/>
       </p:transition>
     </mc:Choice>
-    <mc:Fallback xmlns="">
+    <mc:Fallback>
       <p:transition spd="slow">
         <p:fade/>
       </p:transition>
@@ -10298,13 +10731,13 @@
   <p:clrMapOvr>
     <a:masterClrMapping/>
   </p:clrMapOvr>
-  <mc:AlternateContent xmlns:mc="http://schemas.openxmlformats.org/markup-compatibility/2006" xmlns:p159="http://schemas.microsoft.com/office/powerpoint/2015/09/main">
-    <mc:Choice Requires="p159">
-      <p:transition xmlns:p14="http://schemas.microsoft.com/office/powerpoint/2010/main" spd="slow" p14:dur="2000">
+  <mc:AlternateContent xmlns:mc="http://schemas.openxmlformats.org/markup-compatibility/2006">
+    <mc:Choice xmlns:p159="http://schemas.microsoft.com/office/powerpoint/2015/09/main" Requires="p159">
+      <p:transition spd="slow">
         <p159:morph option="byObject"/>
       </p:transition>
     </mc:Choice>
-    <mc:Fallback xmlns="">
+    <mc:Fallback>
       <p:transition spd="slow">
         <p:fade/>
       </p:transition>
@@ -10410,13 +10843,13 @@
   <p:clrMapOvr>
     <a:masterClrMapping/>
   </p:clrMapOvr>
-  <mc:AlternateContent xmlns:mc="http://schemas.openxmlformats.org/markup-compatibility/2006" xmlns:p159="http://schemas.microsoft.com/office/powerpoint/2015/09/main">
-    <mc:Choice Requires="p159">
-      <p:transition xmlns:p14="http://schemas.microsoft.com/office/powerpoint/2010/main" spd="slow" p14:dur="2000">
+  <mc:AlternateContent xmlns:mc="http://schemas.openxmlformats.org/markup-compatibility/2006">
+    <mc:Choice xmlns:p159="http://schemas.microsoft.com/office/powerpoint/2015/09/main" Requires="p159">
+      <p:transition spd="slow">
         <p159:morph option="byObject"/>
       </p:transition>
     </mc:Choice>
-    <mc:Fallback xmlns="">
+    <mc:Fallback>
       <p:transition spd="slow">
         <p:fade/>
       </p:transition>
@@ -10646,7 +11079,7 @@
         </p:blipFill>
         <p:spPr>
           <a:xfrm>
-            <a:off x="7439347" y="3505870"/>
+            <a:off x="7511539" y="3505870"/>
             <a:ext cx="3972479" cy="2295845"/>
           </a:xfrm>
           <a:prstGeom prst="rect">
@@ -10669,13 +11102,13 @@
   <p:clrMapOvr>
     <a:masterClrMapping/>
   </p:clrMapOvr>
-  <mc:AlternateContent xmlns:mc="http://schemas.openxmlformats.org/markup-compatibility/2006" xmlns:p159="http://schemas.microsoft.com/office/powerpoint/2015/09/main">
-    <mc:Choice Requires="p159">
-      <p:transition xmlns:p14="http://schemas.microsoft.com/office/powerpoint/2010/main" spd="slow" p14:dur="2000">
+  <mc:AlternateContent xmlns:mc="http://schemas.openxmlformats.org/markup-compatibility/2006">
+    <mc:Choice xmlns:p159="http://schemas.microsoft.com/office/powerpoint/2015/09/main" Requires="p159">
+      <p:transition spd="slow">
         <p159:morph option="byObject"/>
       </p:transition>
     </mc:Choice>
-    <mc:Fallback xmlns="">
+    <mc:Fallback>
       <p:transition spd="slow">
         <p:fade/>
       </p:transition>
